--- a/簡報_Foodcaster.pptx
+++ b/簡報_Foodcaster.pptx
@@ -9,7 +9,8 @@
     <p:sldId id="257" r:id="rId3"/>
     <p:sldId id="262" r:id="rId4"/>
     <p:sldId id="279" r:id="rId5"/>
-    <p:sldId id="280" r:id="rId6"/>
+    <p:sldId id="281" r:id="rId6"/>
+    <p:sldId id="280" r:id="rId7"/>
   </p:sldIdLst>
   <p:sldSz cx="12192000" cy="6858000"/>
   <p:notesSz cx="6858000" cy="9144000"/>
@@ -110,7 +111,7 @@
   </p:defaultTextStyle>
   <p:extLst>
     <p:ext uri="{EFAFB233-063F-42B5-8137-9DF3F51BA10A}">
-      <p15:sldGuideLst xmlns="" xmlns:p15="http://schemas.microsoft.com/office/powerpoint/2012/main"/>
+      <p15:sldGuideLst xmlns:p15="http://schemas.microsoft.com/office/powerpoint/2012/main" xmlns=""/>
     </p:ext>
   </p:extLst>
 </p:presentation>
@@ -145,7 +146,7 @@
           <a:blip r:embed="rId2">
             <a:extLst>
               <a:ext uri="{28A0092B-C50C-407E-A947-70E740481C1C}">
-                <a14:useLocalDpi xmlns="" xmlns:a14="http://schemas.microsoft.com/office/drawing/2010/main" val="0"/>
+                <a14:useLocalDpi xmlns:a14="http://schemas.microsoft.com/office/drawing/2010/main" xmlns="" val="0"/>
               </a:ext>
             </a:extLst>
           </a:blip>
@@ -441,7 +442,7 @@
     </p:spTree>
     <p:extLst>
       <p:ext uri="{BB962C8B-B14F-4D97-AF65-F5344CB8AC3E}">
-        <p14:creationId xmlns="" xmlns:p14="http://schemas.microsoft.com/office/powerpoint/2010/main" val="1939316344"/>
+        <p14:creationId xmlns:p14="http://schemas.microsoft.com/office/powerpoint/2010/main" xmlns="" val="1939316344"/>
       </p:ext>
     </p:extLst>
   </p:cSld>
@@ -727,7 +728,7 @@
     </p:spTree>
     <p:extLst>
       <p:ext uri="{BB962C8B-B14F-4D97-AF65-F5344CB8AC3E}">
-        <p14:creationId xmlns="" xmlns:p14="http://schemas.microsoft.com/office/powerpoint/2010/main" val="2359057590"/>
+        <p14:creationId xmlns:p14="http://schemas.microsoft.com/office/powerpoint/2010/main" xmlns="" val="2359057590"/>
       </p:ext>
     </p:extLst>
   </p:cSld>
@@ -1015,7 +1016,7 @@
     </p:spTree>
     <p:extLst>
       <p:ext uri="{BB962C8B-B14F-4D97-AF65-F5344CB8AC3E}">
-        <p14:creationId xmlns="" xmlns:p14="http://schemas.microsoft.com/office/powerpoint/2010/main" val="4207115095"/>
+        <p14:creationId xmlns:p14="http://schemas.microsoft.com/office/powerpoint/2010/main" xmlns="" val="4207115095"/>
       </p:ext>
     </p:extLst>
   </p:cSld>
@@ -1431,7 +1432,7 @@
     </p:spTree>
     <p:extLst>
       <p:ext uri="{BB962C8B-B14F-4D97-AF65-F5344CB8AC3E}">
-        <p14:creationId xmlns="" xmlns:p14="http://schemas.microsoft.com/office/powerpoint/2010/main" val="2198076928"/>
+        <p14:creationId xmlns:p14="http://schemas.microsoft.com/office/powerpoint/2010/main" xmlns="" val="2198076928"/>
       </p:ext>
     </p:extLst>
   </p:cSld>
@@ -1681,7 +1682,7 @@
     </p:spTree>
     <p:extLst>
       <p:ext uri="{BB962C8B-B14F-4D97-AF65-F5344CB8AC3E}">
-        <p14:creationId xmlns="" xmlns:p14="http://schemas.microsoft.com/office/powerpoint/2010/main" val="660469812"/>
+        <p14:creationId xmlns:p14="http://schemas.microsoft.com/office/powerpoint/2010/main" xmlns="" val="660469812"/>
       </p:ext>
     </p:extLst>
   </p:cSld>
@@ -2163,7 +2164,7 @@
     </p:spTree>
     <p:extLst>
       <p:ext uri="{BB962C8B-B14F-4D97-AF65-F5344CB8AC3E}">
-        <p14:creationId xmlns="" xmlns:p14="http://schemas.microsoft.com/office/powerpoint/2010/main" val="3871315215"/>
+        <p14:creationId xmlns:p14="http://schemas.microsoft.com/office/powerpoint/2010/main" xmlns="" val="3871315215"/>
       </p:ext>
     </p:extLst>
   </p:cSld>
@@ -2574,7 +2575,7 @@
     </p:spTree>
     <p:extLst>
       <p:ext uri="{BB962C8B-B14F-4D97-AF65-F5344CB8AC3E}">
-        <p14:creationId xmlns="" xmlns:p14="http://schemas.microsoft.com/office/powerpoint/2010/main" val="2000262536"/>
+        <p14:creationId xmlns:p14="http://schemas.microsoft.com/office/powerpoint/2010/main" xmlns="" val="2000262536"/>
       </p:ext>
     </p:extLst>
   </p:cSld>
@@ -2788,7 +2789,7 @@
     </p:spTree>
     <p:extLst>
       <p:ext uri="{BB962C8B-B14F-4D97-AF65-F5344CB8AC3E}">
-        <p14:creationId xmlns="" xmlns:p14="http://schemas.microsoft.com/office/powerpoint/2010/main" val="2642143507"/>
+        <p14:creationId xmlns:p14="http://schemas.microsoft.com/office/powerpoint/2010/main" xmlns="" val="2642143507"/>
       </p:ext>
     </p:extLst>
   </p:cSld>
@@ -3008,7 +3009,7 @@
     </p:spTree>
     <p:extLst>
       <p:ext uri="{BB962C8B-B14F-4D97-AF65-F5344CB8AC3E}">
-        <p14:creationId xmlns="" xmlns:p14="http://schemas.microsoft.com/office/powerpoint/2010/main" val="3353216381"/>
+        <p14:creationId xmlns:p14="http://schemas.microsoft.com/office/powerpoint/2010/main" xmlns="" val="3353216381"/>
       </p:ext>
     </p:extLst>
   </p:cSld>
@@ -3218,7 +3219,7 @@
     </p:spTree>
     <p:extLst>
       <p:ext uri="{BB962C8B-B14F-4D97-AF65-F5344CB8AC3E}">
-        <p14:creationId xmlns="" xmlns:p14="http://schemas.microsoft.com/office/powerpoint/2010/main" val="1489823352"/>
+        <p14:creationId xmlns:p14="http://schemas.microsoft.com/office/powerpoint/2010/main" xmlns="" val="1489823352"/>
       </p:ext>
     </p:extLst>
   </p:cSld>
@@ -3506,7 +3507,7 @@
     </p:spTree>
     <p:extLst>
       <p:ext uri="{BB962C8B-B14F-4D97-AF65-F5344CB8AC3E}">
-        <p14:creationId xmlns="" xmlns:p14="http://schemas.microsoft.com/office/powerpoint/2010/main" val="2796151475"/>
+        <p14:creationId xmlns:p14="http://schemas.microsoft.com/office/powerpoint/2010/main" xmlns="" val="2796151475"/>
       </p:ext>
     </p:extLst>
   </p:cSld>
@@ -3782,7 +3783,7 @@
     </p:spTree>
     <p:extLst>
       <p:ext uri="{BB962C8B-B14F-4D97-AF65-F5344CB8AC3E}">
-        <p14:creationId xmlns="" xmlns:p14="http://schemas.microsoft.com/office/powerpoint/2010/main" val="2103223662"/>
+        <p14:creationId xmlns:p14="http://schemas.microsoft.com/office/powerpoint/2010/main" xmlns="" val="2103223662"/>
       </p:ext>
     </p:extLst>
   </p:cSld>
@@ -4204,7 +4205,7 @@
     </p:spTree>
     <p:extLst>
       <p:ext uri="{BB962C8B-B14F-4D97-AF65-F5344CB8AC3E}">
-        <p14:creationId xmlns="" xmlns:p14="http://schemas.microsoft.com/office/powerpoint/2010/main" val="416477981"/>
+        <p14:creationId xmlns:p14="http://schemas.microsoft.com/office/powerpoint/2010/main" xmlns="" val="416477981"/>
       </p:ext>
     </p:extLst>
   </p:cSld>
@@ -4362,7 +4363,7 @@
     </p:spTree>
     <p:extLst>
       <p:ext uri="{BB962C8B-B14F-4D97-AF65-F5344CB8AC3E}">
-        <p14:creationId xmlns="" xmlns:p14="http://schemas.microsoft.com/office/powerpoint/2010/main" val="2346611452"/>
+        <p14:creationId xmlns:p14="http://schemas.microsoft.com/office/powerpoint/2010/main" xmlns="" val="2346611452"/>
       </p:ext>
     </p:extLst>
   </p:cSld>
@@ -4459,7 +4460,7 @@
     </p:spTree>
     <p:extLst>
       <p:ext uri="{BB962C8B-B14F-4D97-AF65-F5344CB8AC3E}">
-        <p14:creationId xmlns="" xmlns:p14="http://schemas.microsoft.com/office/powerpoint/2010/main" val="1307006805"/>
+        <p14:creationId xmlns:p14="http://schemas.microsoft.com/office/powerpoint/2010/main" xmlns="" val="1307006805"/>
       </p:ext>
     </p:extLst>
   </p:cSld>
@@ -4754,7 +4755,7 @@
     </p:spTree>
     <p:extLst>
       <p:ext uri="{BB962C8B-B14F-4D97-AF65-F5344CB8AC3E}">
-        <p14:creationId xmlns="" xmlns:p14="http://schemas.microsoft.com/office/powerpoint/2010/main" val="2527950234"/>
+        <p14:creationId xmlns:p14="http://schemas.microsoft.com/office/powerpoint/2010/main" xmlns="" val="2527950234"/>
       </p:ext>
     </p:extLst>
   </p:cSld>
@@ -5040,7 +5041,7 @@
     </p:spTree>
     <p:extLst>
       <p:ext uri="{BB962C8B-B14F-4D97-AF65-F5344CB8AC3E}">
-        <p14:creationId xmlns="" xmlns:p14="http://schemas.microsoft.com/office/powerpoint/2010/main" val="1203426322"/>
+        <p14:creationId xmlns:p14="http://schemas.microsoft.com/office/powerpoint/2010/main" xmlns="" val="1203426322"/>
       </p:ext>
     </p:extLst>
   </p:cSld>
@@ -5084,7 +5085,7 @@
           <a:blip r:embed="rId19">
             <a:extLst>
               <a:ext uri="{28A0092B-C50C-407E-A947-70E740481C1C}">
-                <a14:useLocalDpi xmlns="" xmlns:a14="http://schemas.microsoft.com/office/drawing/2010/main" val="0"/>
+                <a14:useLocalDpi xmlns:a14="http://schemas.microsoft.com/office/drawing/2010/main" xmlns="" val="0"/>
               </a:ext>
             </a:extLst>
           </a:blip>
@@ -5322,7 +5323,7 @@
     </p:spTree>
     <p:extLst>
       <p:ext uri="{BB962C8B-B14F-4D97-AF65-F5344CB8AC3E}">
-        <p14:creationId xmlns="" xmlns:p14="http://schemas.microsoft.com/office/powerpoint/2010/main" val="1520738901"/>
+        <p14:creationId xmlns:p14="http://schemas.microsoft.com/office/powerpoint/2010/main" xmlns="" val="1520738901"/>
       </p:ext>
     </p:extLst>
   </p:cSld>
@@ -5787,7 +5788,7 @@
           <p:nvPr>
             <p:extLst>
               <p:ext uri="{D42A27DB-BD31-4B8C-83A1-F6EECF244321}">
-                <p14:modId xmlns="" xmlns:p14="http://schemas.microsoft.com/office/powerpoint/2010/main" val="1399481990"/>
+                <p14:modId xmlns:p14="http://schemas.microsoft.com/office/powerpoint/2010/main" xmlns="" val="1399481990"/>
               </p:ext>
             </p:extLst>
           </p:nvPr>
@@ -5979,11 +5980,7 @@
                       </a:r>
                       <a:r>
                         <a:rPr lang="en-US" altLang="zh-TW" sz="3200" baseline="0" dirty="0" smtClean="0"/>
-                        <a:t> </a:t>
-                      </a:r>
-                      <a:r>
-                        <a:rPr lang="en-US" altLang="zh-TW" sz="3200" baseline="0" dirty="0" smtClean="0"/>
-                        <a:t>Liang,</a:t>
+                        <a:t> Liang,</a:t>
                       </a:r>
                     </a:p>
                     <a:p>
@@ -6051,7 +6048,7 @@
     </p:spTree>
     <p:extLst>
       <p:ext uri="{BB962C8B-B14F-4D97-AF65-F5344CB8AC3E}">
-        <p14:creationId xmlns="" xmlns:p14="http://schemas.microsoft.com/office/powerpoint/2010/main" val="3321684248"/>
+        <p14:creationId xmlns:p14="http://schemas.microsoft.com/office/powerpoint/2010/main" xmlns="" val="3321684248"/>
       </p:ext>
     </p:extLst>
   </p:cSld>
@@ -6132,15 +6129,7 @@
           <a:p>
             <a:r>
               <a:rPr lang="en-US" altLang="zh-TW" sz="3600" dirty="0" smtClean="0"/>
-              <a:t>Government Open </a:t>
-            </a:r>
-            <a:r>
-              <a:rPr lang="en-US" altLang="zh-TW" sz="3600" dirty="0" smtClean="0"/>
-              <a:t>data </a:t>
-            </a:r>
-            <a:r>
-              <a:rPr lang="en-US" altLang="zh-TW" sz="3600" dirty="0" smtClean="0"/>
-              <a:t>has covered many food examine results such as meat contamination and vegetable deterioration etc at sites all over the nation</a:t>
+              <a:t>Government Open data has covered many food examine results such as meat contamination and vegetable deterioration etc at sites all over the nation</a:t>
             </a:r>
             <a:r>
               <a:rPr lang="zh-TW" altLang="zh-TW" sz="3600" dirty="0" smtClean="0"/>
@@ -6171,11 +6160,7 @@
             </a:r>
             <a:r>
               <a:rPr lang="en-US" altLang="zh-TW" sz="3600" dirty="0" smtClean="0"/>
-              <a:t> service that first collects the food examine results by the government</a:t>
-            </a:r>
-            <a:r>
-              <a:rPr lang="en-US" altLang="zh-TW" sz="3600" dirty="0" smtClean="0"/>
-              <a:t>.</a:t>
+              <a:t> service that first collects the food examine results by the government.</a:t>
             </a:r>
           </a:p>
           <a:p>
@@ -6187,15 +6172,7 @@
           <a:p>
             <a:r>
               <a:rPr lang="en-US" altLang="zh-TW" sz="3600" dirty="0" smtClean="0"/>
-              <a:t>Given the locations of target restaurant and food providers, we can display the </a:t>
-            </a:r>
-            <a:r>
-              <a:rPr lang="en-US" altLang="zh-TW" sz="3600" dirty="0" smtClean="0"/>
-              <a:t>disqualified</a:t>
-            </a:r>
-            <a:r>
-              <a:rPr lang="en-US" altLang="zh-TW" sz="3600" dirty="0" smtClean="0"/>
-              <a:t> food examination sites in </a:t>
+              <a:t>Given the locations of target restaurant and food providers, we can display the disqualified food examination sites in </a:t>
             </a:r>
             <a:r>
               <a:rPr lang="en-US" altLang="zh-TW" sz="3600" dirty="0" err="1" smtClean="0"/>
@@ -6205,7 +6182,6 @@
               <a:rPr lang="en-US" altLang="zh-TW" sz="3600" dirty="0" smtClean="0"/>
               <a:t> fashion.  User can then be aware of the health status of their food on campus. </a:t>
             </a:r>
-            <a:endParaRPr lang="en-US" altLang="zh-TW" sz="3600" dirty="0" smtClean="0"/>
           </a:p>
           <a:p>
             <a:endParaRPr lang="en-US" altLang="zh-TW" dirty="0" smtClean="0"/>
@@ -6218,7 +6194,7 @@
     </p:spTree>
     <p:extLst>
       <p:ext uri="{BB962C8B-B14F-4D97-AF65-F5344CB8AC3E}">
-        <p14:creationId xmlns="" xmlns:p14="http://schemas.microsoft.com/office/powerpoint/2010/main" val="3991637210"/>
+        <p14:creationId xmlns:p14="http://schemas.microsoft.com/office/powerpoint/2010/main" xmlns="" val="3991637210"/>
       </p:ext>
     </p:extLst>
   </p:cSld>
@@ -6326,20 +6302,11 @@
               <a:rPr lang="en-US" altLang="zh-TW" dirty="0" smtClean="0"/>
               <a:t>The process starts from data preparation that covers target columns selections, food examine items filtering, and tag icon labeling, etc.</a:t>
             </a:r>
-            <a:endParaRPr lang="en-US" altLang="zh-TW" dirty="0" smtClean="0"/>
           </a:p>
           <a:p>
             <a:r>
               <a:rPr lang="en-US" altLang="zh-TW" dirty="0" smtClean="0"/>
-              <a:t>We </a:t>
-            </a:r>
-            <a:r>
-              <a:rPr lang="en-US" altLang="zh-TW" dirty="0" smtClean="0"/>
-              <a:t>illustrate the suite operation process </a:t>
-            </a:r>
-            <a:r>
-              <a:rPr lang="en-US" altLang="zh-TW" dirty="0" smtClean="0"/>
-              <a:t>first by first displaying all three food examine items such as medicine left over for meat(</a:t>
+              <a:t>We illustrate the suite operation process first by first displaying all three food examine items such as medicine left over for meat(</a:t>
             </a:r>
             <a:r>
               <a:rPr lang="zh-TW" altLang="en-US" dirty="0" smtClean="0"/>
@@ -6347,15 +6314,7 @@
             </a:r>
             <a:r>
               <a:rPr lang="en-US" altLang="zh-TW" dirty="0" smtClean="0"/>
-              <a:t>), </a:t>
-            </a:r>
-            <a:r>
-              <a:rPr lang="en-US" altLang="zh-TW" dirty="0" smtClean="0"/>
-              <a:t>pesticide left over on </a:t>
-            </a:r>
-            <a:r>
-              <a:rPr lang="en-US" altLang="zh-TW" dirty="0" smtClean="0"/>
-              <a:t>vegetable(</a:t>
+              <a:t>), pesticide left over on vegetable(</a:t>
             </a:r>
             <a:r>
               <a:rPr lang="zh-TW" altLang="en-US" dirty="0" smtClean="0"/>
@@ -6397,7 +6356,6 @@
               <a:rPr lang="en-US" altLang="zh-TW" dirty="0" smtClean="0"/>
               <a:t>etc. </a:t>
             </a:r>
-            <a:endParaRPr lang="en-US" altLang="zh-TW" dirty="0" smtClean="0"/>
           </a:p>
           <a:p>
             <a:r>
@@ -6410,15 +6368,7 @@
             </a:r>
             <a:r>
               <a:rPr lang="en-US" altLang="zh-TW" dirty="0" smtClean="0"/>
-              <a:t> service covering open data sets from </a:t>
-            </a:r>
-            <a:r>
-              <a:rPr lang="en-US" altLang="zh-TW" dirty="0" smtClean="0"/>
-              <a:t>target restaurant on campus and their connected suppliers</a:t>
-            </a:r>
-            <a:r>
-              <a:rPr lang="en-US" altLang="zh-TW" dirty="0" smtClean="0"/>
-              <a:t>.</a:t>
+              <a:t> service covering open data sets from target restaurant on campus and their connected suppliers.</a:t>
             </a:r>
           </a:p>
         </p:txBody>
@@ -6426,7 +6376,7 @@
     </p:spTree>
     <p:extLst>
       <p:ext uri="{BB962C8B-B14F-4D97-AF65-F5344CB8AC3E}">
-        <p14:creationId xmlns="" xmlns:p14="http://schemas.microsoft.com/office/powerpoint/2010/main" val="3529778856"/>
+        <p14:creationId xmlns:p14="http://schemas.microsoft.com/office/powerpoint/2010/main" xmlns="" val="3529778856"/>
       </p:ext>
     </p:extLst>
   </p:cSld>
@@ -6539,6 +6489,121 @@
 </file>
 
 <file path=ppt/slides/slide5.xml><?xml version="1.0" encoding="utf-8"?>
+<p:sld xmlns:a="http://schemas.openxmlformats.org/drawingml/2006/main" xmlns:r="http://schemas.openxmlformats.org/officeDocument/2006/relationships" xmlns:p="http://schemas.openxmlformats.org/presentationml/2006/main">
+  <p:cSld>
+    <p:spTree>
+      <p:nvGrpSpPr>
+        <p:cNvPr id="1" name=""/>
+        <p:cNvGrpSpPr/>
+        <p:nvPr/>
+      </p:nvGrpSpPr>
+      <p:grpSpPr>
+        <a:xfrm>
+          <a:off x="0" y="0"/>
+          <a:ext cx="0" cy="0"/>
+          <a:chOff x="0" y="0"/>
+          <a:chExt cx="0" cy="0"/>
+        </a:xfrm>
+      </p:grpSpPr>
+      <p:sp>
+        <p:nvSpPr>
+          <p:cNvPr id="2" name="標題 1"/>
+          <p:cNvSpPr>
+            <a:spLocks noGrp="1"/>
+          </p:cNvSpPr>
+          <p:nvPr>
+            <p:ph type="title"/>
+          </p:nvPr>
+        </p:nvSpPr>
+        <p:spPr/>
+        <p:txBody>
+          <a:bodyPr/>
+          <a:lstStyle/>
+          <a:p>
+            <a:r>
+              <a:rPr lang="en-US" altLang="zh-TW" dirty="0" smtClean="0"/>
+              <a:t>Data </a:t>
+            </a:r>
+            <a:r>
+              <a:rPr lang="en-US" altLang="zh-TW" dirty="0" err="1" smtClean="0"/>
+              <a:t>Mashup</a:t>
+            </a:r>
+            <a:r>
+              <a:rPr lang="en-US" altLang="zh-TW" dirty="0" smtClean="0"/>
+              <a:t> Process</a:t>
+            </a:r>
+            <a:endParaRPr lang="zh-TW" altLang="en-US" dirty="0"/>
+          </a:p>
+        </p:txBody>
+      </p:sp>
+      <p:sp>
+        <p:nvSpPr>
+          <p:cNvPr id="3" name="內容版面配置區 2"/>
+          <p:cNvSpPr>
+            <a:spLocks noGrp="1"/>
+          </p:cNvSpPr>
+          <p:nvPr>
+            <p:ph idx="1"/>
+          </p:nvPr>
+        </p:nvSpPr>
+        <p:spPr/>
+        <p:txBody>
+          <a:bodyPr/>
+          <a:lstStyle/>
+          <a:p>
+            <a:r>
+              <a:rPr lang="en-US" altLang="zh-TW" dirty="0" smtClean="0"/>
+              <a:t>Raw data transfer to </a:t>
+            </a:r>
+            <a:r>
+              <a:rPr lang="en-US" altLang="zh-TW" dirty="0" err="1" smtClean="0"/>
+              <a:t>google</a:t>
+            </a:r>
+            <a:r>
+              <a:rPr lang="en-US" altLang="zh-TW" dirty="0" smtClean="0"/>
+              <a:t> fusion table format</a:t>
+            </a:r>
+          </a:p>
+          <a:p>
+            <a:r>
+              <a:rPr lang="en-US" altLang="zh-TW" dirty="0" smtClean="0"/>
+              <a:t>Upload to </a:t>
+            </a:r>
+            <a:r>
+              <a:rPr lang="en-US" altLang="zh-TW" dirty="0" err="1" smtClean="0"/>
+              <a:t>google</a:t>
+            </a:r>
+            <a:r>
+              <a:rPr lang="en-US" altLang="zh-TW" dirty="0" smtClean="0"/>
+              <a:t> fusion table cloud server</a:t>
+            </a:r>
+          </a:p>
+          <a:p>
+            <a:r>
+              <a:rPr lang="en-US" altLang="zh-TW" dirty="0" smtClean="0"/>
+              <a:t>Develop Java script utilizing fusion table API containing subscription key</a:t>
+            </a:r>
+          </a:p>
+          <a:p>
+            <a:r>
+              <a:rPr lang="en-US" altLang="zh-TW" dirty="0" smtClean="0"/>
+              <a:t>Publish on local server </a:t>
+            </a:r>
+          </a:p>
+          <a:p>
+            <a:endParaRPr lang="zh-TW" altLang="en-US" dirty="0"/>
+          </a:p>
+        </p:txBody>
+      </p:sp>
+    </p:spTree>
+  </p:cSld>
+  <p:clrMapOvr>
+    <a:masterClrMapping/>
+  </p:clrMapOvr>
+</p:sld>
+</file>
+
+<file path=ppt/slides/slide6.xml><?xml version="1.0" encoding="utf-8"?>
 <p:sld xmlns:a="http://schemas.openxmlformats.org/drawingml/2006/main" xmlns:r="http://schemas.openxmlformats.org/officeDocument/2006/relationships" xmlns:p="http://schemas.openxmlformats.org/presentationml/2006/main">
   <p:cSld>
     <p:spTree>
@@ -6856,7 +6921,7 @@
   <a:extraClrSchemeLst/>
   <a:extLst>
     <a:ext uri="{05A4C25C-085E-4340-85A3-A5531E510DB2}">
-      <thm15:themeFamily xmlns="" xmlns:thm15="http://schemas.microsoft.com/office/thememl/2012/main" name="Organic" id="{28CDC826-8792-45C0-861B-85EB3ADEDA33}" vid="{E4E49EB0-FB00-41F5-9359-4843D783A23D}"/>
+      <thm15:themeFamily xmlns:thm15="http://schemas.microsoft.com/office/thememl/2012/main" xmlns="" name="Organic" id="{28CDC826-8792-45C0-861B-85EB3ADEDA33}" vid="{E4E49EB0-FB00-41F5-9359-4843D783A23D}"/>
     </a:ext>
   </a:extLst>
 </a:theme>

--- a/簡報_Foodcaster.pptx
+++ b/簡報_Foodcaster.pptx
@@ -111,7 +111,18 @@
   </p:defaultTextStyle>
   <p:extLst>
     <p:ext uri="{EFAFB233-063F-42B5-8137-9DF3F51BA10A}">
-      <p15:sldGuideLst xmlns:p15="http://schemas.microsoft.com/office/powerpoint/2012/main" xmlns=""/>
+      <p15:sldGuideLst xmlns:p15="http://schemas.microsoft.com/office/powerpoint/2012/main">
+        <p15:guide id="1" orient="horz" pos="2160">
+          <p15:clr>
+            <a:srgbClr val="A4A3A4"/>
+          </p15:clr>
+        </p15:guide>
+        <p15:guide id="2" pos="3840">
+          <p15:clr>
+            <a:srgbClr val="A4A3A4"/>
+          </p15:clr>
+        </p15:guide>
+      </p15:sldGuideLst>
     </p:ext>
   </p:extLst>
 </p:presentation>
@@ -146,7 +157,7 @@
           <a:blip r:embed="rId2">
             <a:extLst>
               <a:ext uri="{28A0092B-C50C-407E-A947-70E740481C1C}">
-                <a14:useLocalDpi xmlns:a14="http://schemas.microsoft.com/office/drawing/2010/main" xmlns="" val="0"/>
+                <a14:useLocalDpi xmlns:a14="http://schemas.microsoft.com/office/drawing/2010/main" val="0"/>
               </a:ext>
             </a:extLst>
           </a:blip>
@@ -442,7 +453,7 @@
     </p:spTree>
     <p:extLst>
       <p:ext uri="{BB962C8B-B14F-4D97-AF65-F5344CB8AC3E}">
-        <p14:creationId xmlns:p14="http://schemas.microsoft.com/office/powerpoint/2010/main" xmlns="" val="1939316344"/>
+        <p14:creationId xmlns:p14="http://schemas.microsoft.com/office/powerpoint/2010/main" val="1939316344"/>
       </p:ext>
     </p:extLst>
   </p:cSld>
@@ -728,7 +739,7 @@
     </p:spTree>
     <p:extLst>
       <p:ext uri="{BB962C8B-B14F-4D97-AF65-F5344CB8AC3E}">
-        <p14:creationId xmlns:p14="http://schemas.microsoft.com/office/powerpoint/2010/main" xmlns="" val="2359057590"/>
+        <p14:creationId xmlns:p14="http://schemas.microsoft.com/office/powerpoint/2010/main" val="2359057590"/>
       </p:ext>
     </p:extLst>
   </p:cSld>
@@ -1016,7 +1027,7 @@
     </p:spTree>
     <p:extLst>
       <p:ext uri="{BB962C8B-B14F-4D97-AF65-F5344CB8AC3E}">
-        <p14:creationId xmlns:p14="http://schemas.microsoft.com/office/powerpoint/2010/main" xmlns="" val="4207115095"/>
+        <p14:creationId xmlns:p14="http://schemas.microsoft.com/office/powerpoint/2010/main" val="4207115095"/>
       </p:ext>
     </p:extLst>
   </p:cSld>
@@ -1432,7 +1443,7 @@
     </p:spTree>
     <p:extLst>
       <p:ext uri="{BB962C8B-B14F-4D97-AF65-F5344CB8AC3E}">
-        <p14:creationId xmlns:p14="http://schemas.microsoft.com/office/powerpoint/2010/main" xmlns="" val="2198076928"/>
+        <p14:creationId xmlns:p14="http://schemas.microsoft.com/office/powerpoint/2010/main" val="2198076928"/>
       </p:ext>
     </p:extLst>
   </p:cSld>
@@ -1682,7 +1693,7 @@
     </p:spTree>
     <p:extLst>
       <p:ext uri="{BB962C8B-B14F-4D97-AF65-F5344CB8AC3E}">
-        <p14:creationId xmlns:p14="http://schemas.microsoft.com/office/powerpoint/2010/main" xmlns="" val="660469812"/>
+        <p14:creationId xmlns:p14="http://schemas.microsoft.com/office/powerpoint/2010/main" val="660469812"/>
       </p:ext>
     </p:extLst>
   </p:cSld>
@@ -2164,7 +2175,7 @@
     </p:spTree>
     <p:extLst>
       <p:ext uri="{BB962C8B-B14F-4D97-AF65-F5344CB8AC3E}">
-        <p14:creationId xmlns:p14="http://schemas.microsoft.com/office/powerpoint/2010/main" xmlns="" val="3871315215"/>
+        <p14:creationId xmlns:p14="http://schemas.microsoft.com/office/powerpoint/2010/main" val="3871315215"/>
       </p:ext>
     </p:extLst>
   </p:cSld>
@@ -2575,7 +2586,7 @@
     </p:spTree>
     <p:extLst>
       <p:ext uri="{BB962C8B-B14F-4D97-AF65-F5344CB8AC3E}">
-        <p14:creationId xmlns:p14="http://schemas.microsoft.com/office/powerpoint/2010/main" xmlns="" val="2000262536"/>
+        <p14:creationId xmlns:p14="http://schemas.microsoft.com/office/powerpoint/2010/main" val="2000262536"/>
       </p:ext>
     </p:extLst>
   </p:cSld>
@@ -2789,7 +2800,7 @@
     </p:spTree>
     <p:extLst>
       <p:ext uri="{BB962C8B-B14F-4D97-AF65-F5344CB8AC3E}">
-        <p14:creationId xmlns:p14="http://schemas.microsoft.com/office/powerpoint/2010/main" xmlns="" val="2642143507"/>
+        <p14:creationId xmlns:p14="http://schemas.microsoft.com/office/powerpoint/2010/main" val="2642143507"/>
       </p:ext>
     </p:extLst>
   </p:cSld>
@@ -3009,7 +3020,7 @@
     </p:spTree>
     <p:extLst>
       <p:ext uri="{BB962C8B-B14F-4D97-AF65-F5344CB8AC3E}">
-        <p14:creationId xmlns:p14="http://schemas.microsoft.com/office/powerpoint/2010/main" xmlns="" val="3353216381"/>
+        <p14:creationId xmlns:p14="http://schemas.microsoft.com/office/powerpoint/2010/main" val="3353216381"/>
       </p:ext>
     </p:extLst>
   </p:cSld>
@@ -3219,7 +3230,7 @@
     </p:spTree>
     <p:extLst>
       <p:ext uri="{BB962C8B-B14F-4D97-AF65-F5344CB8AC3E}">
-        <p14:creationId xmlns:p14="http://schemas.microsoft.com/office/powerpoint/2010/main" xmlns="" val="1489823352"/>
+        <p14:creationId xmlns:p14="http://schemas.microsoft.com/office/powerpoint/2010/main" val="1489823352"/>
       </p:ext>
     </p:extLst>
   </p:cSld>
@@ -3507,7 +3518,7 @@
     </p:spTree>
     <p:extLst>
       <p:ext uri="{BB962C8B-B14F-4D97-AF65-F5344CB8AC3E}">
-        <p14:creationId xmlns:p14="http://schemas.microsoft.com/office/powerpoint/2010/main" xmlns="" val="2796151475"/>
+        <p14:creationId xmlns:p14="http://schemas.microsoft.com/office/powerpoint/2010/main" val="2796151475"/>
       </p:ext>
     </p:extLst>
   </p:cSld>
@@ -3783,7 +3794,7 @@
     </p:spTree>
     <p:extLst>
       <p:ext uri="{BB962C8B-B14F-4D97-AF65-F5344CB8AC3E}">
-        <p14:creationId xmlns:p14="http://schemas.microsoft.com/office/powerpoint/2010/main" xmlns="" val="2103223662"/>
+        <p14:creationId xmlns:p14="http://schemas.microsoft.com/office/powerpoint/2010/main" val="2103223662"/>
       </p:ext>
     </p:extLst>
   </p:cSld>
@@ -4205,7 +4216,7 @@
     </p:spTree>
     <p:extLst>
       <p:ext uri="{BB962C8B-B14F-4D97-AF65-F5344CB8AC3E}">
-        <p14:creationId xmlns:p14="http://schemas.microsoft.com/office/powerpoint/2010/main" xmlns="" val="416477981"/>
+        <p14:creationId xmlns:p14="http://schemas.microsoft.com/office/powerpoint/2010/main" val="416477981"/>
       </p:ext>
     </p:extLst>
   </p:cSld>
@@ -4363,7 +4374,7 @@
     </p:spTree>
     <p:extLst>
       <p:ext uri="{BB962C8B-B14F-4D97-AF65-F5344CB8AC3E}">
-        <p14:creationId xmlns:p14="http://schemas.microsoft.com/office/powerpoint/2010/main" xmlns="" val="2346611452"/>
+        <p14:creationId xmlns:p14="http://schemas.microsoft.com/office/powerpoint/2010/main" val="2346611452"/>
       </p:ext>
     </p:extLst>
   </p:cSld>
@@ -4460,7 +4471,7 @@
     </p:spTree>
     <p:extLst>
       <p:ext uri="{BB962C8B-B14F-4D97-AF65-F5344CB8AC3E}">
-        <p14:creationId xmlns:p14="http://schemas.microsoft.com/office/powerpoint/2010/main" xmlns="" val="1307006805"/>
+        <p14:creationId xmlns:p14="http://schemas.microsoft.com/office/powerpoint/2010/main" val="1307006805"/>
       </p:ext>
     </p:extLst>
   </p:cSld>
@@ -4755,7 +4766,7 @@
     </p:spTree>
     <p:extLst>
       <p:ext uri="{BB962C8B-B14F-4D97-AF65-F5344CB8AC3E}">
-        <p14:creationId xmlns:p14="http://schemas.microsoft.com/office/powerpoint/2010/main" xmlns="" val="2527950234"/>
+        <p14:creationId xmlns:p14="http://schemas.microsoft.com/office/powerpoint/2010/main" val="2527950234"/>
       </p:ext>
     </p:extLst>
   </p:cSld>
@@ -5041,7 +5052,7 @@
     </p:spTree>
     <p:extLst>
       <p:ext uri="{BB962C8B-B14F-4D97-AF65-F5344CB8AC3E}">
-        <p14:creationId xmlns:p14="http://schemas.microsoft.com/office/powerpoint/2010/main" xmlns="" val="1203426322"/>
+        <p14:creationId xmlns:p14="http://schemas.microsoft.com/office/powerpoint/2010/main" val="1203426322"/>
       </p:ext>
     </p:extLst>
   </p:cSld>
@@ -5085,7 +5096,7 @@
           <a:blip r:embed="rId19">
             <a:extLst>
               <a:ext uri="{28A0092B-C50C-407E-A947-70E740481C1C}">
-                <a14:useLocalDpi xmlns:a14="http://schemas.microsoft.com/office/drawing/2010/main" xmlns="" val="0"/>
+                <a14:useLocalDpi xmlns:a14="http://schemas.microsoft.com/office/drawing/2010/main" val="0"/>
               </a:ext>
             </a:extLst>
           </a:blip>
@@ -5323,7 +5334,7 @@
     </p:spTree>
     <p:extLst>
       <p:ext uri="{BB962C8B-B14F-4D97-AF65-F5344CB8AC3E}">
-        <p14:creationId xmlns:p14="http://schemas.microsoft.com/office/powerpoint/2010/main" xmlns="" val="1520738901"/>
+        <p14:creationId xmlns:p14="http://schemas.microsoft.com/office/powerpoint/2010/main" val="1520738901"/>
       </p:ext>
     </p:extLst>
   </p:cSld>
@@ -5788,7 +5799,7 @@
           <p:nvPr>
             <p:extLst>
               <p:ext uri="{D42A27DB-BD31-4B8C-83A1-F6EECF244321}">
-                <p14:modId xmlns:p14="http://schemas.microsoft.com/office/powerpoint/2010/main" xmlns="" val="1399481990"/>
+                <p14:modId xmlns:p14="http://schemas.microsoft.com/office/powerpoint/2010/main" val="1399481990"/>
               </p:ext>
             </p:extLst>
           </p:nvPr>
@@ -5804,9 +5815,27 @@
                 <a:tableStyleId>{6E25E649-3F16-4E02-A733-19D2CDBF48F0}</a:tableStyleId>
               </a:tblPr>
               <a:tblGrid>
-                <a:gridCol w="2125980"/>
-                <a:gridCol w="3052553"/>
-                <a:gridCol w="2494807"/>
+                <a:gridCol w="2125980">
+                  <a:extLst>
+                    <a:ext uri="{9D8B030D-6E8A-4147-A177-3AD203B41FA5}">
+                      <a16:colId xmlns:a16="http://schemas.microsoft.com/office/drawing/2014/main" val="20000"/>
+                    </a:ext>
+                  </a:extLst>
+                </a:gridCol>
+                <a:gridCol w="3052553">
+                  <a:extLst>
+                    <a:ext uri="{9D8B030D-6E8A-4147-A177-3AD203B41FA5}">
+                      <a16:colId xmlns:a16="http://schemas.microsoft.com/office/drawing/2014/main" val="20001"/>
+                    </a:ext>
+                  </a:extLst>
+                </a:gridCol>
+                <a:gridCol w="2494807">
+                  <a:extLst>
+                    <a:ext uri="{9D8B030D-6E8A-4147-A177-3AD203B41FA5}">
+                      <a16:colId xmlns:a16="http://schemas.microsoft.com/office/drawing/2014/main" val="20002"/>
+                    </a:ext>
+                  </a:extLst>
+                </a:gridCol>
               </a:tblGrid>
               <a:tr h="0">
                 <a:tc gridSpan="3">
@@ -5848,6 +5877,11 @@
                   </a:txBody>
                   <a:tcPr/>
                 </a:tc>
+                <a:extLst>
+                  <a:ext uri="{0D108BD9-81ED-4DB2-BD59-A6C34878D82A}">
+                    <a16:rowId xmlns:a16="http://schemas.microsoft.com/office/drawing/2014/main" val="10000"/>
+                  </a:ext>
+                </a:extLst>
               </a:tr>
               <a:tr h="370840">
                 <a:tc>
@@ -5935,6 +5969,11 @@
                   </a:txBody>
                   <a:tcPr/>
                 </a:tc>
+                <a:extLst>
+                  <a:ext uri="{0D108BD9-81ED-4DB2-BD59-A6C34878D82A}">
+                    <a16:rowId xmlns:a16="http://schemas.microsoft.com/office/drawing/2014/main" val="10001"/>
+                  </a:ext>
+                </a:extLst>
               </a:tr>
               <a:tr h="370840">
                 <a:tc>
@@ -6040,6 +6079,11 @@
                   </a:txBody>
                   <a:tcPr/>
                 </a:tc>
+                <a:extLst>
+                  <a:ext uri="{0D108BD9-81ED-4DB2-BD59-A6C34878D82A}">
+                    <a16:rowId xmlns:a16="http://schemas.microsoft.com/office/drawing/2014/main" val="10002"/>
+                  </a:ext>
+                </a:extLst>
               </a:tr>
             </a:tbl>
           </a:graphicData>
@@ -6048,7 +6092,7 @@
     </p:spTree>
     <p:extLst>
       <p:ext uri="{BB962C8B-B14F-4D97-AF65-F5344CB8AC3E}">
-        <p14:creationId xmlns:p14="http://schemas.microsoft.com/office/powerpoint/2010/main" xmlns="" val="3321684248"/>
+        <p14:creationId xmlns:p14="http://schemas.microsoft.com/office/powerpoint/2010/main" val="3321684248"/>
       </p:ext>
     </p:extLst>
   </p:cSld>
@@ -6194,7 +6238,7 @@
     </p:spTree>
     <p:extLst>
       <p:ext uri="{BB962C8B-B14F-4D97-AF65-F5344CB8AC3E}">
-        <p14:creationId xmlns:p14="http://schemas.microsoft.com/office/powerpoint/2010/main" xmlns="" val="3991637210"/>
+        <p14:creationId xmlns:p14="http://schemas.microsoft.com/office/powerpoint/2010/main" val="3991637210"/>
       </p:ext>
     </p:extLst>
   </p:cSld>
@@ -6376,7 +6420,7 @@
     </p:spTree>
     <p:extLst>
       <p:ext uri="{BB962C8B-B14F-4D97-AF65-F5344CB8AC3E}">
-        <p14:creationId xmlns:p14="http://schemas.microsoft.com/office/powerpoint/2010/main" xmlns="" val="3529778856"/>
+        <p14:creationId xmlns:p14="http://schemas.microsoft.com/office/powerpoint/2010/main" val="3529778856"/>
       </p:ext>
     </p:extLst>
   </p:cSld>
@@ -6548,7 +6592,9 @@
         </p:nvSpPr>
         <p:spPr/>
         <p:txBody>
-          <a:bodyPr/>
+          <a:bodyPr>
+            <a:normAutofit lnSpcReduction="10000"/>
+          </a:bodyPr>
           <a:lstStyle/>
           <a:p>
             <a:r>
@@ -6589,6 +6635,26 @@
               <a:rPr lang="en-US" altLang="zh-TW" dirty="0" smtClean="0"/>
               <a:t>Publish on local server </a:t>
             </a:r>
+            <a:endParaRPr lang="en-US" altLang="zh-TW" dirty="0" smtClean="0"/>
+          </a:p>
+          <a:p>
+            <a:r>
+              <a:rPr lang="en-US" altLang="zh-TW" dirty="0" smtClean="0"/>
+              <a:t>With the help of Papyrus tool also included in the </a:t>
+            </a:r>
+            <a:r>
+              <a:rPr lang="en-US" altLang="zh-TW" dirty="0" err="1" smtClean="0"/>
+              <a:t>Github</a:t>
+            </a:r>
+            <a:r>
+              <a:rPr lang="en-US" altLang="zh-TW" smtClean="0"/>
+              <a:t>, users </a:t>
+            </a:r>
+            <a:r>
+              <a:rPr lang="en-US" altLang="zh-TW" dirty="0" smtClean="0"/>
+              <a:t>can easily upload new food examination result in the mashup site for safer food source filtering.</a:t>
+            </a:r>
+            <a:endParaRPr lang="en-US" altLang="zh-TW" dirty="0" smtClean="0"/>
           </a:p>
           <a:p>
             <a:endParaRPr lang="zh-TW" altLang="en-US" dirty="0"/>
@@ -6921,7 +6987,7 @@
   <a:extraClrSchemeLst/>
   <a:extLst>
     <a:ext uri="{05A4C25C-085E-4340-85A3-A5531E510DB2}">
-      <thm15:themeFamily xmlns:thm15="http://schemas.microsoft.com/office/thememl/2012/main" xmlns="" name="Organic" id="{28CDC826-8792-45C0-861B-85EB3ADEDA33}" vid="{E4E49EB0-FB00-41F5-9359-4843D783A23D}"/>
+      <thm15:themeFamily xmlns:thm15="http://schemas.microsoft.com/office/thememl/2012/main" name="Organic" id="{28CDC826-8792-45C0-861B-85EB3ADEDA33}" vid="{E4E49EB0-FB00-41F5-9359-4843D783A23D}"/>
     </a:ext>
   </a:extLst>
 </a:theme>

--- a/簡報_Foodcaster.pptx
+++ b/簡報_Foodcaster.pptx
@@ -6358,7 +6358,11 @@
             </a:r>
             <a:r>
               <a:rPr lang="en-US" altLang="zh-TW" dirty="0" smtClean="0"/>
-              <a:t>), pesticide left over on vegetable(</a:t>
+              <a:t>), pesticide left over on </a:t>
+            </a:r>
+            <a:r>
+              <a:rPr lang="en-US" altLang="zh-TW" dirty="0" smtClean="0"/>
+              <a:t>vegetable(</a:t>
             </a:r>
             <a:r>
               <a:rPr lang="zh-TW" altLang="en-US" dirty="0" smtClean="0"/>
@@ -6508,16 +6512,13 @@
           <a:p>
             <a:r>
               <a:rPr lang="en-US" altLang="zh-TW" dirty="0" smtClean="0"/>
-              <a:t>On the other hand, if there are over lap on the </a:t>
-            </a:r>
-            <a:r>
-              <a:rPr lang="en-US" altLang="zh-TW" dirty="0" err="1" smtClean="0"/>
-              <a:t>mashup</a:t>
-            </a:r>
-            <a:r>
-              <a:rPr lang="en-US" altLang="zh-TW" dirty="0" smtClean="0"/>
-              <a:t> logos, we can sound the alarm to the suspected restaurant and call for detail examination for the managers.  </a:t>
-            </a:r>
+              <a:t>On the other hand, if there are over lap on the mashup logos, we can sound the alarm to the suspected restaurant and call for detail examination </a:t>
+            </a:r>
+            <a:r>
+              <a:rPr lang="en-US" altLang="zh-TW" smtClean="0"/>
+              <a:t>for their food sources.  </a:t>
+            </a:r>
+            <a:endParaRPr lang="en-US" altLang="zh-TW" dirty="0" smtClean="0"/>
           </a:p>
           <a:p>
             <a:endParaRPr lang="zh-TW" altLang="en-US" dirty="0"/>
@@ -6529,6 +6530,13 @@
   <p:clrMapOvr>
     <a:masterClrMapping/>
   </p:clrMapOvr>
+  <p:timing>
+    <p:tnLst>
+      <p:par>
+        <p:cTn id="1" dur="indefinite" restart="never" nodeType="tmRoot"/>
+      </p:par>
+    </p:tnLst>
+  </p:timing>
 </p:sld>
 </file>
 
@@ -6635,7 +6643,6 @@
               <a:rPr lang="en-US" altLang="zh-TW" dirty="0" smtClean="0"/>
               <a:t>Publish on local server </a:t>
             </a:r>
-            <a:endParaRPr lang="en-US" altLang="zh-TW" dirty="0" smtClean="0"/>
           </a:p>
           <a:p>
             <a:r>
@@ -6654,7 +6661,6 @@
               <a:rPr lang="en-US" altLang="zh-TW" dirty="0" smtClean="0"/>
               <a:t>can easily upload new food examination result in the mashup site for safer food source filtering.</a:t>
             </a:r>
-            <a:endParaRPr lang="en-US" altLang="zh-TW" dirty="0" smtClean="0"/>
           </a:p>
           <a:p>
             <a:endParaRPr lang="zh-TW" altLang="en-US" dirty="0"/>
@@ -6666,6 +6672,13 @@
   <p:clrMapOvr>
     <a:masterClrMapping/>
   </p:clrMapOvr>
+  <p:timing>
+    <p:tnLst>
+      <p:par>
+        <p:cTn id="1" dur="indefinite" restart="never" nodeType="tmRoot"/>
+      </p:par>
+    </p:tnLst>
+  </p:timing>
 </p:sld>
 </file>
 
@@ -6757,6 +6770,13 @@
   <p:clrMapOvr>
     <a:masterClrMapping/>
   </p:clrMapOvr>
+  <p:timing>
+    <p:tnLst>
+      <p:par>
+        <p:cTn id="1" dur="indefinite" restart="never" nodeType="tmRoot"/>
+      </p:par>
+    </p:tnLst>
+  </p:timing>
 </p:sld>
 </file>
 
